--- a/figures/draft_fig.pptx
+++ b/figures/draft_fig.pptx
@@ -197,7 +197,7 @@
           <a:p>
             <a:fld id="{D8539CA5-CF1C-DC49-855D-284BA3B3410F}" type="datetimeFigureOut">
               <a:rPr lang="en-US" smtClean="0"/>
-              <a:t>7/29/24</a:t>
+              <a:t>8/5/24</a:t>
             </a:fld>
             <a:endParaRPr lang="en-US"/>
           </a:p>
@@ -685,7 +685,7 @@
           <a:p>
             <a:fld id="{DF1E83D7-C5FA-744E-A04A-6B20D556DD7F}" type="datetimeFigureOut">
               <a:rPr lang="en-US" smtClean="0"/>
-              <a:t>7/29/24</a:t>
+              <a:t>8/5/24</a:t>
             </a:fld>
             <a:endParaRPr lang="en-US"/>
           </a:p>
@@ -855,7 +855,7 @@
           <a:p>
             <a:fld id="{DF1E83D7-C5FA-744E-A04A-6B20D556DD7F}" type="datetimeFigureOut">
               <a:rPr lang="en-US" smtClean="0"/>
-              <a:t>7/29/24</a:t>
+              <a:t>8/5/24</a:t>
             </a:fld>
             <a:endParaRPr lang="en-US"/>
           </a:p>
@@ -1035,7 +1035,7 @@
           <a:p>
             <a:fld id="{DF1E83D7-C5FA-744E-A04A-6B20D556DD7F}" type="datetimeFigureOut">
               <a:rPr lang="en-US" smtClean="0"/>
-              <a:t>7/29/24</a:t>
+              <a:t>8/5/24</a:t>
             </a:fld>
             <a:endParaRPr lang="en-US"/>
           </a:p>
@@ -1205,7 +1205,7 @@
           <a:p>
             <a:fld id="{DF1E83D7-C5FA-744E-A04A-6B20D556DD7F}" type="datetimeFigureOut">
               <a:rPr lang="en-US" smtClean="0"/>
-              <a:t>7/29/24</a:t>
+              <a:t>8/5/24</a:t>
             </a:fld>
             <a:endParaRPr lang="en-US"/>
           </a:p>
@@ -1449,7 +1449,7 @@
           <a:p>
             <a:fld id="{DF1E83D7-C5FA-744E-A04A-6B20D556DD7F}" type="datetimeFigureOut">
               <a:rPr lang="en-US" smtClean="0"/>
-              <a:t>7/29/24</a:t>
+              <a:t>8/5/24</a:t>
             </a:fld>
             <a:endParaRPr lang="en-US"/>
           </a:p>
@@ -1681,7 +1681,7 @@
           <a:p>
             <a:fld id="{DF1E83D7-C5FA-744E-A04A-6B20D556DD7F}" type="datetimeFigureOut">
               <a:rPr lang="en-US" smtClean="0"/>
-              <a:t>7/29/24</a:t>
+              <a:t>8/5/24</a:t>
             </a:fld>
             <a:endParaRPr lang="en-US"/>
           </a:p>
@@ -2048,7 +2048,7 @@
           <a:p>
             <a:fld id="{DF1E83D7-C5FA-744E-A04A-6B20D556DD7F}" type="datetimeFigureOut">
               <a:rPr lang="en-US" smtClean="0"/>
-              <a:t>7/29/24</a:t>
+              <a:t>8/5/24</a:t>
             </a:fld>
             <a:endParaRPr lang="en-US"/>
           </a:p>
@@ -2166,7 +2166,7 @@
           <a:p>
             <a:fld id="{DF1E83D7-C5FA-744E-A04A-6B20D556DD7F}" type="datetimeFigureOut">
               <a:rPr lang="en-US" smtClean="0"/>
-              <a:t>7/29/24</a:t>
+              <a:t>8/5/24</a:t>
             </a:fld>
             <a:endParaRPr lang="en-US"/>
           </a:p>
@@ -2261,7 +2261,7 @@
           <a:p>
             <a:fld id="{DF1E83D7-C5FA-744E-A04A-6B20D556DD7F}" type="datetimeFigureOut">
               <a:rPr lang="en-US" smtClean="0"/>
-              <a:t>7/29/24</a:t>
+              <a:t>8/5/24</a:t>
             </a:fld>
             <a:endParaRPr lang="en-US"/>
           </a:p>
@@ -2538,7 +2538,7 @@
           <a:p>
             <a:fld id="{DF1E83D7-C5FA-744E-A04A-6B20D556DD7F}" type="datetimeFigureOut">
               <a:rPr lang="en-US" smtClean="0"/>
-              <a:t>7/29/24</a:t>
+              <a:t>8/5/24</a:t>
             </a:fld>
             <a:endParaRPr lang="en-US"/>
           </a:p>
@@ -2795,7 +2795,7 @@
           <a:p>
             <a:fld id="{DF1E83D7-C5FA-744E-A04A-6B20D556DD7F}" type="datetimeFigureOut">
               <a:rPr lang="en-US" smtClean="0"/>
-              <a:t>7/29/24</a:t>
+              <a:t>8/5/24</a:t>
             </a:fld>
             <a:endParaRPr lang="en-US"/>
           </a:p>
@@ -3008,7 +3008,7 @@
           <a:p>
             <a:fld id="{DF1E83D7-C5FA-744E-A04A-6B20D556DD7F}" type="datetimeFigureOut">
               <a:rPr lang="en-US" smtClean="0"/>
-              <a:t>7/29/24</a:t>
+              <a:t>8/5/24</a:t>
             </a:fld>
             <a:endParaRPr lang="en-US"/>
           </a:p>
@@ -3434,7 +3434,7 @@
         </p:blipFill>
         <p:spPr>
           <a:xfrm>
-            <a:off x="2246368" y="409983"/>
+            <a:off x="2169712" y="386471"/>
             <a:ext cx="2333046" cy="2226567"/>
           </a:xfrm>
           <a:prstGeom prst="rect">
@@ -3585,12 +3585,94 @@
           </a:p>
         </p:txBody>
       </p:sp>
+      <p:sp>
+        <p:nvSpPr>
+          <p:cNvPr id="3" name="TextBox 2">
+            <a:extLst>
+              <a:ext uri="{FF2B5EF4-FFF2-40B4-BE49-F238E27FC236}">
+                <a16:creationId xmlns:a16="http://schemas.microsoft.com/office/drawing/2014/main" id="{E33E1940-290D-269D-6746-4F95A1923FBA}"/>
+              </a:ext>
+            </a:extLst>
+          </p:cNvPr>
+          <p:cNvSpPr txBox="1"/>
+          <p:nvPr/>
+        </p:nvSpPr>
+        <p:spPr>
+          <a:xfrm rot="16200000">
+            <a:off x="1972653" y="1392033"/>
+            <a:ext cx="529312" cy="215444"/>
+          </a:xfrm>
+          <a:prstGeom prst="rect">
+            <a:avLst/>
+          </a:prstGeom>
+          <a:noFill/>
+        </p:spPr>
+        <p:txBody>
+          <a:bodyPr wrap="none" rtlCol="0">
+            <a:spAutoFit/>
+          </a:bodyPr>
+          <a:lstStyle/>
+          <a:p>
+            <a:r>
+              <a:rPr lang="en-US" sz="800" dirty="0">
+                <a:solidFill>
+                  <a:schemeClr val="bg2">
+                    <a:lumMod val="50000"/>
+                  </a:schemeClr>
+                </a:solidFill>
+              </a:rPr>
+              <a:t>Latitude</a:t>
+            </a:r>
+          </a:p>
+        </p:txBody>
+      </p:sp>
+      <p:sp>
+        <p:nvSpPr>
+          <p:cNvPr id="4" name="TextBox 3">
+            <a:extLst>
+              <a:ext uri="{FF2B5EF4-FFF2-40B4-BE49-F238E27FC236}">
+                <a16:creationId xmlns:a16="http://schemas.microsoft.com/office/drawing/2014/main" id="{1B6F6B51-E7A3-D61E-9D30-1E5D6344552A}"/>
+              </a:ext>
+            </a:extLst>
+          </p:cNvPr>
+          <p:cNvSpPr txBox="1"/>
+          <p:nvPr/>
+        </p:nvSpPr>
+        <p:spPr>
+          <a:xfrm>
+            <a:off x="3148235" y="2543042"/>
+            <a:ext cx="603050" cy="215444"/>
+          </a:xfrm>
+          <a:prstGeom prst="rect">
+            <a:avLst/>
+          </a:prstGeom>
+          <a:noFill/>
+        </p:spPr>
+        <p:txBody>
+          <a:bodyPr wrap="none" rtlCol="0">
+            <a:spAutoFit/>
+          </a:bodyPr>
+          <a:lstStyle/>
+          <a:p>
+            <a:r>
+              <a:rPr lang="en-US" sz="800" dirty="0">
+                <a:solidFill>
+                  <a:schemeClr val="bg2">
+                    <a:lumMod val="50000"/>
+                  </a:schemeClr>
+                </a:solidFill>
+              </a:rPr>
+              <a:t>Longitude</a:t>
+            </a:r>
+          </a:p>
+        </p:txBody>
+      </p:sp>
       <p:pic>
         <p:nvPicPr>
-          <p:cNvPr id="2" name="Picture 1">
+          <p:cNvPr id="8" name="Picture 7">
             <a:extLst>
               <a:ext uri="{FF2B5EF4-FFF2-40B4-BE49-F238E27FC236}">
-                <a16:creationId xmlns:a16="http://schemas.microsoft.com/office/drawing/2014/main" id="{46EA678E-6786-5DE8-CB9A-A5DFE5506748}"/>
+                <a16:creationId xmlns:a16="http://schemas.microsoft.com/office/drawing/2014/main" id="{7E52907B-035C-5E49-61B3-38BBD4330CE1}"/>
               </a:ext>
             </a:extLst>
           </p:cNvPr>
@@ -3607,102 +3689,20 @@
         </p:blipFill>
         <p:spPr>
           <a:xfrm>
-            <a:off x="852427" y="2589528"/>
-            <a:ext cx="3325194" cy="1572275"/>
+            <a:off x="947204" y="4252782"/>
+            <a:ext cx="3306528" cy="2746255"/>
           </a:xfrm>
           <a:prstGeom prst="rect">
             <a:avLst/>
           </a:prstGeom>
         </p:spPr>
       </p:pic>
-      <p:sp>
-        <p:nvSpPr>
-          <p:cNvPr id="3" name="TextBox 2">
+      <p:pic>
+        <p:nvPicPr>
+          <p:cNvPr id="7" name="Picture 6">
             <a:extLst>
               <a:ext uri="{FF2B5EF4-FFF2-40B4-BE49-F238E27FC236}">
-                <a16:creationId xmlns:a16="http://schemas.microsoft.com/office/drawing/2014/main" id="{E33E1940-290D-269D-6746-4F95A1923FBA}"/>
-              </a:ext>
-            </a:extLst>
-          </p:cNvPr>
-          <p:cNvSpPr txBox="1"/>
-          <p:nvPr/>
-        </p:nvSpPr>
-        <p:spPr>
-          <a:xfrm rot="16200000">
-            <a:off x="1972653" y="1392033"/>
-            <a:ext cx="529312" cy="215444"/>
-          </a:xfrm>
-          <a:prstGeom prst="rect">
-            <a:avLst/>
-          </a:prstGeom>
-          <a:noFill/>
-        </p:spPr>
-        <p:txBody>
-          <a:bodyPr wrap="none" rtlCol="0">
-            <a:spAutoFit/>
-          </a:bodyPr>
-          <a:lstStyle/>
-          <a:p>
-            <a:r>
-              <a:rPr lang="en-US" sz="800" dirty="0">
-                <a:solidFill>
-                  <a:schemeClr val="bg2">
-                    <a:lumMod val="50000"/>
-                  </a:schemeClr>
-                </a:solidFill>
-              </a:rPr>
-              <a:t>Latitude</a:t>
-            </a:r>
-          </a:p>
-        </p:txBody>
-      </p:sp>
-      <p:sp>
-        <p:nvSpPr>
-          <p:cNvPr id="4" name="TextBox 3">
-            <a:extLst>
-              <a:ext uri="{FF2B5EF4-FFF2-40B4-BE49-F238E27FC236}">
-                <a16:creationId xmlns:a16="http://schemas.microsoft.com/office/drawing/2014/main" id="{1B6F6B51-E7A3-D61E-9D30-1E5D6344552A}"/>
-              </a:ext>
-            </a:extLst>
-          </p:cNvPr>
-          <p:cNvSpPr txBox="1"/>
-          <p:nvPr/>
-        </p:nvSpPr>
-        <p:spPr>
-          <a:xfrm>
-            <a:off x="3148235" y="2543042"/>
-            <a:ext cx="603050" cy="215444"/>
-          </a:xfrm>
-          <a:prstGeom prst="rect">
-            <a:avLst/>
-          </a:prstGeom>
-          <a:noFill/>
-        </p:spPr>
-        <p:txBody>
-          <a:bodyPr wrap="none" rtlCol="0">
-            <a:spAutoFit/>
-          </a:bodyPr>
-          <a:lstStyle/>
-          <a:p>
-            <a:r>
-              <a:rPr lang="en-US" sz="800" dirty="0">
-                <a:solidFill>
-                  <a:schemeClr val="bg2">
-                    <a:lumMod val="50000"/>
-                  </a:schemeClr>
-                </a:solidFill>
-              </a:rPr>
-              <a:t>Longitude</a:t>
-            </a:r>
-          </a:p>
-        </p:txBody>
-      </p:sp>
-      <p:pic>
-        <p:nvPicPr>
-          <p:cNvPr id="8" name="Picture 7">
-            <a:extLst>
-              <a:ext uri="{FF2B5EF4-FFF2-40B4-BE49-F238E27FC236}">
-                <a16:creationId xmlns:a16="http://schemas.microsoft.com/office/drawing/2014/main" id="{7E52907B-035C-5E49-61B3-38BBD4330CE1}"/>
+                <a16:creationId xmlns:a16="http://schemas.microsoft.com/office/drawing/2014/main" id="{A40136E8-6EF2-DBC1-003F-72C68AA737FD}"/>
               </a:ext>
             </a:extLst>
           </p:cNvPr>
@@ -3711,16 +3711,15 @@
           </p:cNvPicPr>
           <p:nvPr/>
         </p:nvPicPr>
-        <p:blipFill>
+        <p:blipFill rotWithShape="1">
           <a:blip r:embed="rId5"/>
-          <a:stretch>
-            <a:fillRect/>
-          </a:stretch>
+          <a:srcRect t="14197" b="25832"/>
+          <a:stretch/>
         </p:blipFill>
         <p:spPr>
           <a:xfrm>
-            <a:off x="947204" y="4252782"/>
-            <a:ext cx="3306528" cy="2746255"/>
+            <a:off x="714109" y="2758486"/>
+            <a:ext cx="3488587" cy="1394764"/>
           </a:xfrm>
           <a:prstGeom prst="rect">
             <a:avLst/>
